--- a/HW3/slides.pptx
+++ b/HW3/slides.pptx
@@ -7,7 +7,6 @@
   <p:sldIdLst>
     <p:sldId id="259" r:id="rId2"/>
     <p:sldId id="260" r:id="rId3"/>
-    <p:sldId id="261" r:id="rId4"/>
   </p:sldIdLst>
   <p:sldSz cx="12192000" cy="6858000"/>
   <p:notesSz cx="6858000" cy="9144000"/>
@@ -261,7 +260,7 @@
           <a:p>
             <a:fld id="{F3B3DDD7-DEF6-4494-8458-B82CF47667B9}" type="datetimeFigureOut">
               <a:rPr lang="en-US" smtClean="0"/>
-              <a:t>9/21/2023</a:t>
+              <a:t>10/12/2023</a:t>
             </a:fld>
             <a:endParaRPr lang="en-US"/>
           </a:p>
@@ -459,7 +458,7 @@
           <a:p>
             <a:fld id="{F3B3DDD7-DEF6-4494-8458-B82CF47667B9}" type="datetimeFigureOut">
               <a:rPr lang="en-US" smtClean="0"/>
-              <a:t>9/21/2023</a:t>
+              <a:t>10/12/2023</a:t>
             </a:fld>
             <a:endParaRPr lang="en-US"/>
           </a:p>
@@ -667,7 +666,7 @@
           <a:p>
             <a:fld id="{F3B3DDD7-DEF6-4494-8458-B82CF47667B9}" type="datetimeFigureOut">
               <a:rPr lang="en-US" smtClean="0"/>
-              <a:t>9/21/2023</a:t>
+              <a:t>10/12/2023</a:t>
             </a:fld>
             <a:endParaRPr lang="en-US"/>
           </a:p>
@@ -865,7 +864,7 @@
           <a:p>
             <a:fld id="{F3B3DDD7-DEF6-4494-8458-B82CF47667B9}" type="datetimeFigureOut">
               <a:rPr lang="en-US" smtClean="0"/>
-              <a:t>9/21/2023</a:t>
+              <a:t>10/12/2023</a:t>
             </a:fld>
             <a:endParaRPr lang="en-US"/>
           </a:p>
@@ -1140,7 +1139,7 @@
           <a:p>
             <a:fld id="{F3B3DDD7-DEF6-4494-8458-B82CF47667B9}" type="datetimeFigureOut">
               <a:rPr lang="en-US" smtClean="0"/>
-              <a:t>9/21/2023</a:t>
+              <a:t>10/12/2023</a:t>
             </a:fld>
             <a:endParaRPr lang="en-US"/>
           </a:p>
@@ -1405,7 +1404,7 @@
           <a:p>
             <a:fld id="{F3B3DDD7-DEF6-4494-8458-B82CF47667B9}" type="datetimeFigureOut">
               <a:rPr lang="en-US" smtClean="0"/>
-              <a:t>9/21/2023</a:t>
+              <a:t>10/12/2023</a:t>
             </a:fld>
             <a:endParaRPr lang="en-US"/>
           </a:p>
@@ -1817,7 +1816,7 @@
           <a:p>
             <a:fld id="{F3B3DDD7-DEF6-4494-8458-B82CF47667B9}" type="datetimeFigureOut">
               <a:rPr lang="en-US" smtClean="0"/>
-              <a:t>9/21/2023</a:t>
+              <a:t>10/12/2023</a:t>
             </a:fld>
             <a:endParaRPr lang="en-US"/>
           </a:p>
@@ -1958,7 +1957,7 @@
           <a:p>
             <a:fld id="{F3B3DDD7-DEF6-4494-8458-B82CF47667B9}" type="datetimeFigureOut">
               <a:rPr lang="en-US" smtClean="0"/>
-              <a:t>9/21/2023</a:t>
+              <a:t>10/12/2023</a:t>
             </a:fld>
             <a:endParaRPr lang="en-US"/>
           </a:p>
@@ -2071,7 +2070,7 @@
           <a:p>
             <a:fld id="{F3B3DDD7-DEF6-4494-8458-B82CF47667B9}" type="datetimeFigureOut">
               <a:rPr lang="en-US" smtClean="0"/>
-              <a:t>9/21/2023</a:t>
+              <a:t>10/12/2023</a:t>
             </a:fld>
             <a:endParaRPr lang="en-US"/>
           </a:p>
@@ -2382,7 +2381,7 @@
           <a:p>
             <a:fld id="{F3B3DDD7-DEF6-4494-8458-B82CF47667B9}" type="datetimeFigureOut">
               <a:rPr lang="en-US" smtClean="0"/>
-              <a:t>9/21/2023</a:t>
+              <a:t>10/12/2023</a:t>
             </a:fld>
             <a:endParaRPr lang="en-US"/>
           </a:p>
@@ -2670,7 +2669,7 @@
           <a:p>
             <a:fld id="{F3B3DDD7-DEF6-4494-8458-B82CF47667B9}" type="datetimeFigureOut">
               <a:rPr lang="en-US" smtClean="0"/>
-              <a:t>9/21/2023</a:t>
+              <a:t>10/12/2023</a:t>
             </a:fld>
             <a:endParaRPr lang="en-US"/>
           </a:p>
@@ -2911,7 +2910,7 @@
           <a:p>
             <a:fld id="{F3B3DDD7-DEF6-4494-8458-B82CF47667B9}" type="datetimeFigureOut">
               <a:rPr lang="en-US" smtClean="0"/>
-              <a:t>9/21/2023</a:t>
+              <a:t>10/12/2023</a:t>
             </a:fld>
             <a:endParaRPr lang="en-US"/>
           </a:p>
@@ -3344,9 +3343,16 @@
             <p:ph type="title"/>
           </p:nvPr>
         </p:nvSpPr>
-        <p:spPr/>
-        <p:txBody>
-          <a:bodyPr/>
+        <p:spPr>
+          <a:xfrm>
+            <a:off x="-113523" y="365125"/>
+            <a:ext cx="6449008" cy="1325563"/>
+          </a:xfrm>
+        </p:spPr>
+        <p:txBody>
+          <a:bodyPr>
+            <a:normAutofit fontScale="90000"/>
+          </a:bodyPr>
           <a:lstStyle/>
           <a:p>
             <a:pPr algn="ctr"/>
@@ -3401,7 +3407,7 @@
               <a:buNone/>
             </a:pPr>
             <a:r>
-              <a:rPr lang="en-US" sz="1800" b="1" dirty="0"/>
+              <a:rPr lang="en-US" sz="2000" b="1" dirty="0"/>
               <a:t>Translating Algorithm Components</a:t>
             </a:r>
           </a:p>
@@ -3411,8 +3417,12 @@
               <a:buChar char="•"/>
             </a:pPr>
             <a:r>
-              <a:rPr lang="en-US" sz="1800" dirty="0"/>
-              <a:t>Repetition: Utilized while loops extensively to traverse and interact with the singly-linked list. For instance, in the Add(), Remove(), Print(), and various Count*() functions.</a:t>
+              <a:rPr lang="en-US" sz="1600" b="1" i="1" dirty="0"/>
+              <a:t>Repetition: </a:t>
+            </a:r>
+            <a:r>
+              <a:rPr lang="en-US" sz="1600" dirty="0"/>
+              <a:t>Utilized while loops for conditions requiring repetitive action, such as traversing the graph until all vertices are visited, and for loops for iterating over adjacency lists during DFS. Break statements halt repetition for specific conditions like already visited vertices.</a:t>
             </a:r>
           </a:p>
           <a:p>
@@ -3421,32 +3431,12 @@
               <a:buChar char="•"/>
             </a:pPr>
             <a:r>
-              <a:rPr lang="en-US" sz="1800" dirty="0"/>
-              <a:t>Decision Making: Employed if/else statements for several purposes: Input validation in Add(), Comparing flight data, such as </a:t>
-            </a:r>
-            <a:r>
-              <a:rPr lang="en-US" sz="1800" dirty="0" err="1"/>
-              <a:t>flightnumber</a:t>
-            </a:r>
-            <a:r>
-              <a:rPr lang="en-US" sz="1800" dirty="0"/>
-              <a:t> or time, in functions like </a:t>
-            </a:r>
-            <a:r>
-              <a:rPr lang="en-US" sz="1800" dirty="0" err="1"/>
-              <a:t>CountSmaller</a:t>
-            </a:r>
-            <a:r>
-              <a:rPr lang="en-US" sz="1800" dirty="0"/>
-              <a:t>() and </a:t>
-            </a:r>
-            <a:r>
-              <a:rPr lang="en-US" sz="1800" dirty="0" err="1"/>
-              <a:t>CountLater</a:t>
-            </a:r>
-            <a:r>
-              <a:rPr lang="en-US" sz="1800" dirty="0"/>
-              <a:t>().</a:t>
+              <a:rPr lang="en-US" sz="1600" b="1" i="1" dirty="0"/>
+              <a:t>Decision Making: </a:t>
+            </a:r>
+            <a:r>
+              <a:rPr lang="en-US" sz="1600" dirty="0"/>
+              <a:t>If/else statements are crucial in determining a vertex's status, either visited or unvisited, and handling edge cases like checking for a valid vertex.</a:t>
             </a:r>
           </a:p>
           <a:p>
@@ -3455,16 +3445,12 @@
               <a:buChar char="•"/>
             </a:pPr>
             <a:r>
-              <a:rPr lang="en-US" sz="1800" dirty="0"/>
-              <a:t>Data Handling: Structs (</a:t>
-            </a:r>
-            <a:r>
-              <a:rPr lang="en-US" sz="1800" dirty="0" err="1"/>
-              <a:t>Flightinfo</a:t>
-            </a:r>
-            <a:r>
-              <a:rPr lang="en-US" sz="1800" dirty="0"/>
-              <a:t> and Item) were defined to encapsulate flight data and Priority Queue nodes respectively.</a:t>
+              <a:rPr lang="en-US" sz="1600" b="1" i="1" dirty="0"/>
+              <a:t>Math: </a:t>
+            </a:r>
+            <a:r>
+              <a:rPr lang="en-US" sz="1600" dirty="0"/>
+              <a:t>While this program mainly revolves around graph traversal without much emphasis on mathematical computations, the structure ensures clarity and readability for the user.</a:t>
             </a:r>
           </a:p>
           <a:p>
@@ -3473,16 +3459,12 @@
               <a:buChar char="•"/>
             </a:pPr>
             <a:r>
-              <a:rPr lang="en-US" sz="1800" dirty="0"/>
-              <a:t>Names: Algorithmic concepts like flight details and priority were coded as structured variable names, like </a:t>
-            </a:r>
-            <a:r>
-              <a:rPr lang="en-US" sz="1800" dirty="0" err="1"/>
-              <a:t>flightnumber</a:t>
-            </a:r>
-            <a:r>
-              <a:rPr lang="en-US" sz="1800" dirty="0"/>
-              <a:t> and priority.</a:t>
+              <a:rPr lang="en-US" sz="1600" b="1" i="1" dirty="0"/>
+              <a:t>Names: </a:t>
+            </a:r>
+            <a:r>
+              <a:rPr lang="en-US" sz="1600" dirty="0"/>
+              <a:t>Vertices in the graph are represented as integers, and the adjacency list forms a dynamic array of lists to signify connections.</a:t>
             </a:r>
           </a:p>
           <a:p>
@@ -3491,8 +3473,12 @@
               <a:buChar char="•"/>
             </a:pPr>
             <a:r>
-              <a:rPr lang="en-US" sz="1800" dirty="0"/>
-              <a:t>Altering Values: Memory management functions like malloc() and free() were used for dynamic allocation and deallocation, respectively. Examples include node creation in Add() and memory release in Finalize().</a:t>
+              <a:rPr lang="en-US" sz="1600" b="1" i="1" dirty="0"/>
+              <a:t>Altering Values: </a:t>
+            </a:r>
+            <a:r>
+              <a:rPr lang="en-US" sz="1600" dirty="0"/>
+              <a:t>Upon traversal, a vertex's visited status gets updated. Similarly, discovering a new component results in an incremented connected component count.</a:t>
             </a:r>
           </a:p>
           <a:p>
@@ -3501,8 +3487,20 @@
               <a:buChar char="•"/>
             </a:pPr>
             <a:r>
-              <a:rPr lang="en-US" sz="1800" dirty="0"/>
-              <a:t>Complicated Steps: Operations involving list traversal and conditional checks, like adding a flight in order based on departure time in Add(), were abstracted into their respective functions.</a:t>
+              <a:rPr lang="en-US" sz="1600" b="1" i="1" dirty="0"/>
+              <a:t>Complicated Steps: </a:t>
+            </a:r>
+            <a:r>
+              <a:rPr lang="en-US" sz="1600" dirty="0"/>
+              <a:t>Abstracting the depth-first search and reading the graph from a file into separate functions streamlines the main program. The </a:t>
+            </a:r>
+            <a:r>
+              <a:rPr lang="en-US" sz="1600" dirty="0" err="1"/>
+              <a:t>depthFirstSearch</a:t>
+            </a:r>
+            <a:r>
+              <a:rPr lang="en-US" sz="1600" dirty="0"/>
+              <a:t> function is pivotal in exploring the graph and identifying connected components.</a:t>
             </a:r>
           </a:p>
           <a:p>
@@ -3511,8 +3509,12 @@
               <a:buChar char="•"/>
             </a:pPr>
             <a:r>
-              <a:rPr lang="en-US" sz="1800" dirty="0"/>
-              <a:t>And the answer is...!: Several functions return values, be it success status (as in Add()) or data (as in Count() functions).</a:t>
+              <a:rPr lang="en-US" sz="1600" b="1" i="1" dirty="0"/>
+              <a:t>And the answer is...!:</a:t>
+            </a:r>
+            <a:r>
+              <a:rPr lang="en-US" sz="1600" dirty="0"/>
+              <a:t> Post traversal and processing, the program promptly prints the number of connected components in the graph before concluding its execution.</a:t>
             </a:r>
           </a:p>
         </p:txBody>
@@ -3563,7 +3565,12 @@
             <p:ph type="title"/>
           </p:nvPr>
         </p:nvSpPr>
-        <p:spPr/>
+        <p:spPr>
+          <a:xfrm>
+            <a:off x="147735" y="253158"/>
+            <a:ext cx="5515947" cy="1325563"/>
+          </a:xfrm>
+        </p:spPr>
         <p:txBody>
           <a:bodyPr/>
           <a:lstStyle/>
@@ -3608,14 +3615,26 @@
               <a:buNone/>
             </a:pPr>
             <a:r>
-              <a:rPr lang="en-US" sz="2400" b="1" i="1" dirty="0"/>
+              <a:rPr lang="en-US" sz="2000" b="1" i="1" dirty="0"/>
               <a:t>Stress Testing Approach (See README.TXT)</a:t>
             </a:r>
           </a:p>
           <a:p>
             <a:r>
-              <a:rPr lang="en-US" sz="2400" dirty="0"/>
-              <a:t>Ensured testing of edge cases such as adding duplicate flight numbers, handling invalid airline codes, and checking priority orders.</a:t>
+              <a:rPr lang="en-US" sz="2000" dirty="0"/>
+              <a:t>Comprehensive testing of complex graph structures with varying connected components.</a:t>
+            </a:r>
+          </a:p>
+          <a:p>
+            <a:r>
+              <a:rPr lang="en-US" sz="2000" dirty="0"/>
+              <a:t>Ensured detection of distinct connected components with alternating edge weights.</a:t>
+            </a:r>
+          </a:p>
+          <a:p>
+            <a:r>
+              <a:rPr lang="en-US" sz="2000" dirty="0"/>
+              <a:t>Validation of correct weight interpretation.</a:t>
             </a:r>
           </a:p>
           <a:p>
@@ -3623,26 +3642,26 @@
               <a:buNone/>
             </a:pPr>
             <a:r>
-              <a:rPr lang="en-US" sz="2400" b="1" i="1" dirty="0"/>
+              <a:rPr lang="en-US" sz="2000" b="1" i="1" dirty="0"/>
               <a:t>Validation Criteria</a:t>
             </a:r>
           </a:p>
           <a:p>
             <a:r>
-              <a:rPr lang="en-US" sz="2400" dirty="0"/>
-              <a:t>Priority Queue must maintain flight orders based on flight departure time;</a:t>
-            </a:r>
-          </a:p>
-          <a:p>
-            <a:r>
-              <a:rPr lang="en-US" sz="2400" dirty="0"/>
-              <a:t>All add, remove, and query operations should maintain the integrity of the queue;</a:t>
-            </a:r>
-          </a:p>
-          <a:p>
-            <a:r>
-              <a:rPr lang="en-US" sz="2400" dirty="0"/>
-              <a:t>Special cases considered: invalid airlines, duplicate flight numbers, and priority conflicts.</a:t>
+              <a:rPr lang="en-US" sz="2000" dirty="0"/>
+              <a:t>Depth-First Search must correctly identify separate connected components in the graph.</a:t>
+            </a:r>
+          </a:p>
+          <a:p>
+            <a:r>
+              <a:rPr lang="en-US" sz="2000" dirty="0"/>
+              <a:t>Accurate reading and processing of edge weights.</a:t>
+            </a:r>
+          </a:p>
+          <a:p>
+            <a:r>
+              <a:rPr lang="en-US" sz="2000" dirty="0"/>
+              <a:t>Handling of repeated edges and unique vertex identifiers.</a:t>
             </a:r>
           </a:p>
           <a:p>
@@ -3650,160 +3669,58 @@
               <a:buNone/>
             </a:pPr>
             <a:r>
-              <a:rPr lang="en-US" sz="2400" b="1" i="1" dirty="0"/>
+              <a:rPr lang="en-US" sz="2000" b="1" i="1" dirty="0"/>
               <a:t>Results</a:t>
             </a:r>
           </a:p>
           <a:p>
             <a:r>
-              <a:rPr lang="en-US" sz="2400" dirty="0"/>
-              <a:t>All tests were successfully executed, verifying the accurate and robust operation of the priority queue. The data structure appropriately manages flights according to priority, even in edge cases.</a:t>
-            </a:r>
-          </a:p>
-        </p:txBody>
-      </p:sp>
+              <a:rPr lang="en-US" sz="2000" dirty="0"/>
+              <a:t>All tests, including the advanced graph structure test (connections_advanced_test.txt), were successfully executed, verifying the accurate and robust operation of the connectivity detection program. The algorithm effectively determines connected components and respects given edge weights, even in complex scenarios.</a:t>
+            </a:r>
+          </a:p>
+        </p:txBody>
+      </p:sp>
+      <p:pic>
+        <p:nvPicPr>
+          <p:cNvPr id="5" name="Picture 4" descr="A computer screen with white text&#10;&#10;Description automatically generated">
+            <a:extLst>
+              <a:ext uri="{FF2B5EF4-FFF2-40B4-BE49-F238E27FC236}">
+                <a16:creationId xmlns:a16="http://schemas.microsoft.com/office/drawing/2014/main" id="{482E6435-2294-B93E-348F-22747B74E698}"/>
+              </a:ext>
+            </a:extLst>
+          </p:cNvPr>
+          <p:cNvPicPr>
+            <a:picLocks noChangeAspect="1"/>
+          </p:cNvPicPr>
+          <p:nvPr/>
+        </p:nvPicPr>
+        <p:blipFill>
+          <a:blip r:embed="rId2">
+            <a:extLst>
+              <a:ext uri="{28A0092B-C50C-407E-A947-70E740481C1C}">
+                <a14:useLocalDpi xmlns:a14="http://schemas.microsoft.com/office/drawing/2010/main" val="0"/>
+              </a:ext>
+            </a:extLst>
+          </a:blip>
+          <a:stretch>
+            <a:fillRect/>
+          </a:stretch>
+        </p:blipFill>
+        <p:spPr>
+          <a:xfrm>
+            <a:off x="6916048" y="-1"/>
+            <a:ext cx="5275952" cy="1940767"/>
+          </a:xfrm>
+          <a:prstGeom prst="rect">
+            <a:avLst/>
+          </a:prstGeom>
+        </p:spPr>
+      </p:pic>
     </p:spTree>
     <p:extLst>
       <p:ext uri="{BB962C8B-B14F-4D97-AF65-F5344CB8AC3E}">
         <p14:creationId xmlns:p14="http://schemas.microsoft.com/office/powerpoint/2010/main" val="2669090787"/>
-      </p:ext>
-    </p:extLst>
-  </p:cSld>
-  <p:clrMapOvr>
-    <a:masterClrMapping/>
-  </p:clrMapOvr>
-</p:sld>
-</file>
-
-<file path=ppt/slides/slide3.xml><?xml version="1.0" encoding="utf-8"?>
-<p:sld xmlns:a="http://schemas.openxmlformats.org/drawingml/2006/main" xmlns:r="http://schemas.openxmlformats.org/officeDocument/2006/relationships" xmlns:p="http://schemas.openxmlformats.org/presentationml/2006/main">
-  <p:cSld>
-    <p:spTree>
-      <p:nvGrpSpPr>
-        <p:cNvPr id="1" name=""/>
-        <p:cNvGrpSpPr/>
-        <p:nvPr/>
-      </p:nvGrpSpPr>
-      <p:grpSpPr>
-        <a:xfrm>
-          <a:off x="0" y="0"/>
-          <a:ext cx="0" cy="0"/>
-          <a:chOff x="0" y="0"/>
-          <a:chExt cx="0" cy="0"/>
-        </a:xfrm>
-      </p:grpSpPr>
-      <p:sp>
-        <p:nvSpPr>
-          <p:cNvPr id="2" name="Title 1">
-            <a:extLst>
-              <a:ext uri="{FF2B5EF4-FFF2-40B4-BE49-F238E27FC236}">
-                <a16:creationId xmlns:a16="http://schemas.microsoft.com/office/drawing/2014/main" id="{A605E69E-7103-56D5-83B8-6422C1FE9192}"/>
-              </a:ext>
-            </a:extLst>
-          </p:cNvPr>
-          <p:cNvSpPr>
-            <a:spLocks noGrp="1"/>
-          </p:cNvSpPr>
-          <p:nvPr>
-            <p:ph type="title"/>
-          </p:nvPr>
-        </p:nvSpPr>
-        <p:spPr/>
-        <p:txBody>
-          <a:bodyPr/>
-          <a:lstStyle/>
-          <a:p>
-            <a:pPr algn="ctr"/>
-            <a:r>
-              <a:rPr lang="en-US" dirty="0"/>
-              <a:t>Challenges and Improvements</a:t>
-            </a:r>
-          </a:p>
-        </p:txBody>
-      </p:sp>
-      <p:sp>
-        <p:nvSpPr>
-          <p:cNvPr id="3" name="Content Placeholder 2">
-            <a:extLst>
-              <a:ext uri="{FF2B5EF4-FFF2-40B4-BE49-F238E27FC236}">
-                <a16:creationId xmlns:a16="http://schemas.microsoft.com/office/drawing/2014/main" id="{8A57E6AC-AD67-7DE7-5A06-09429654240B}"/>
-              </a:ext>
-            </a:extLst>
-          </p:cNvPr>
-          <p:cNvSpPr>
-            <a:spLocks noGrp="1"/>
-          </p:cNvSpPr>
-          <p:nvPr>
-            <p:ph idx="1"/>
-          </p:nvPr>
-        </p:nvSpPr>
-        <p:spPr>
-          <a:xfrm>
-            <a:off x="838200" y="1690688"/>
-            <a:ext cx="10515600" cy="5032375"/>
-          </a:xfrm>
-        </p:spPr>
-        <p:txBody>
-          <a:bodyPr>
-            <a:normAutofit/>
-          </a:bodyPr>
-          <a:lstStyle/>
-          <a:p>
-            <a:pPr marL="0" indent="0">
-              <a:buNone/>
-            </a:pPr>
-            <a:r>
-              <a:rPr lang="en-US" sz="2400" b="1" i="1" dirty="0"/>
-              <a:t>Most Challenging Aspects</a:t>
-            </a:r>
-          </a:p>
-          <a:p>
-            <a:r>
-              <a:rPr lang="en-US" sz="2400" dirty="0"/>
-              <a:t>Data Integrity: Ensuring that flights added or removed from the Priority Queue maintain their relative ordering based on departure time;</a:t>
-            </a:r>
-          </a:p>
-          <a:p>
-            <a:r>
-              <a:rPr lang="en-US" sz="2400" dirty="0"/>
-              <a:t>Memory Management: Given that the Priority Queue relies heavily on dynamic memory allocation, managing memory without leaks and ensuring that freeing operations did not inadvertently modify the queue was challenging.</a:t>
-            </a:r>
-          </a:p>
-          <a:p>
-            <a:pPr marL="0" indent="0">
-              <a:buNone/>
-            </a:pPr>
-            <a:r>
-              <a:rPr lang="en-US" sz="2400" b="1" i="1" dirty="0"/>
-              <a:t>Key Improvements in Final Submission</a:t>
-            </a:r>
-          </a:p>
-          <a:p>
-            <a:r>
-              <a:rPr lang="en-US" sz="2400" dirty="0"/>
-              <a:t>Enhanced Testing: Introduced additional test cases to validate the priority queue, demonstrating its resilience and correctness in various scenarios;</a:t>
-            </a:r>
-          </a:p>
-          <a:p>
-            <a:r>
-              <a:rPr lang="en-US" sz="2400" dirty="0"/>
-              <a:t>Memory Management: Leveraged tools like </a:t>
-            </a:r>
-            <a:r>
-              <a:rPr lang="en-US" sz="2400" dirty="0" err="1"/>
-              <a:t>valgrind</a:t>
-            </a:r>
-            <a:r>
-              <a:rPr lang="en-US" sz="2400" dirty="0"/>
-              <a:t> to identify and fix potential memory leaks. This ensures optimal memory usage throughout the program's lifecycle.</a:t>
-            </a:r>
-          </a:p>
-        </p:txBody>
-      </p:sp>
-    </p:spTree>
-    <p:extLst>
-      <p:ext uri="{BB962C8B-B14F-4D97-AF65-F5344CB8AC3E}">
-        <p14:creationId xmlns:p14="http://schemas.microsoft.com/office/powerpoint/2010/main" val="3753285278"/>
       </p:ext>
     </p:extLst>
   </p:cSld>
